--- a/Презентация.pptx
+++ b/Презентация.pptx
@@ -5,7 +5,7 @@
     <p:sldMasterId id="2147483648" r:id="rId1"/>
   </p:sldMasterIdLst>
   <p:notesMasterIdLst>
-    <p:notesMasterId r:id="rId9"/>
+    <p:notesMasterId r:id="rId10"/>
   </p:notesMasterIdLst>
   <p:sldIdLst>
     <p:sldId id="256" r:id="rId2"/>
@@ -14,7 +14,8 @@
     <p:sldId id="258" r:id="rId5"/>
     <p:sldId id="259" r:id="rId6"/>
     <p:sldId id="264" r:id="rId7"/>
-    <p:sldId id="260" r:id="rId8"/>
+    <p:sldId id="267" r:id="rId8"/>
+    <p:sldId id="260" r:id="rId9"/>
   </p:sldIdLst>
   <p:sldSz cx="14630400" cy="8229600"/>
   <p:notesSz cx="8229600" cy="14630400"/>
@@ -812,7 +813,7 @@
           <a:p>
             <a:fld id="{F7021451-1387-4CA6-816F-3879F97B5CBC}" type="slidenum">
               <a:rPr lang="en-US"/>
-              <a:t>7</a:t>
+              <a:t>8</a:t>
             </a:fld>
             <a:endParaRPr lang="en-US"/>
           </a:p>
@@ -1160,29 +1161,15 @@
           <a:chExt cx="0" cy="0"/>
         </a:xfrm>
       </p:grpSpPr>
-      <p:sp>
-        <p:nvSpPr>
-          <p:cNvPr id="3" name="Shape 0"/>
-          <p:cNvSpPr/>
-          <p:nvPr/>
-        </p:nvSpPr>
-        <p:spPr>
-          <a:xfrm>
-            <a:off x="0" y="0"/>
-            <a:ext cx="14630400" cy="8229600"/>
-          </a:xfrm>
-          <a:prstGeom prst="rect">
-            <a:avLst/>
-          </a:prstGeom>
-          <a:solidFill>
-            <a:srgbClr val="07070C"/>
-          </a:solidFill>
-          <a:ln/>
-        </p:spPr>
-      </p:sp>
       <p:pic>
         <p:nvPicPr>
-          <p:cNvPr id="2" name="Image 0" descr="preencoded.png"/>
+          <p:cNvPr id="6" name="Рисунок 5">
+            <a:extLst>
+              <a:ext uri="{FF2B5EF4-FFF2-40B4-BE49-F238E27FC236}">
+                <a16:creationId xmlns:a16="http://schemas.microsoft.com/office/drawing/2014/main" id="{E85BDD6B-8C96-4927-AA52-D2198D471E6F}"/>
+              </a:ext>
+            </a:extLst>
+          </p:cNvPr>
           <p:cNvPicPr>
             <a:picLocks noChangeAspect="1"/>
           </p:cNvPicPr>
@@ -1196,8 +1183,8 @@
         </p:blipFill>
         <p:spPr>
           <a:xfrm>
-            <a:off x="0" y="0"/>
-            <a:ext cx="14630400" cy="8229600"/>
+            <a:off x="-1" y="0"/>
+            <a:ext cx="14630399" cy="8292108"/>
           </a:xfrm>
           <a:prstGeom prst="rect">
             <a:avLst/>
@@ -1226,6 +1213,16 @@
           <a:prstGeom prst="rect">
             <a:avLst/>
           </a:prstGeom>
+          <a:ln>
+            <a:noFill/>
+          </a:ln>
+          <a:effectLst>
+            <a:outerShdw blurRad="292100" dist="139700" dir="2700000" algn="tl" rotWithShape="0">
+              <a:srgbClr val="333333">
+                <a:alpha val="65000"/>
+              </a:srgbClr>
+            </a:outerShdw>
+          </a:effectLst>
         </p:spPr>
       </p:pic>
       <p:sp>
@@ -1332,29 +1329,15 @@
           <a:chExt cx="0" cy="0"/>
         </a:xfrm>
       </p:grpSpPr>
-      <p:sp>
-        <p:nvSpPr>
-          <p:cNvPr id="3" name="Shape 0"/>
-          <p:cNvSpPr/>
-          <p:nvPr/>
-        </p:nvSpPr>
-        <p:spPr>
-          <a:xfrm>
-            <a:off x="0" y="0"/>
-            <a:ext cx="14630400" cy="8229600"/>
-          </a:xfrm>
-          <a:prstGeom prst="rect">
-            <a:avLst/>
-          </a:prstGeom>
-          <a:solidFill>
-            <a:srgbClr val="07070C"/>
-          </a:solidFill>
-          <a:ln/>
-        </p:spPr>
-      </p:sp>
       <p:pic>
         <p:nvPicPr>
-          <p:cNvPr id="2" name="Image 0" descr="preencoded.png"/>
+          <p:cNvPr id="6" name="Рисунок 5">
+            <a:extLst>
+              <a:ext uri="{FF2B5EF4-FFF2-40B4-BE49-F238E27FC236}">
+                <a16:creationId xmlns:a16="http://schemas.microsoft.com/office/drawing/2014/main" id="{E6446042-20E6-4FA9-82D1-86D3A063E4B8}"/>
+              </a:ext>
+            </a:extLst>
+          </p:cNvPr>
           <p:cNvPicPr>
             <a:picLocks noChangeAspect="1"/>
           </p:cNvPicPr>
@@ -1368,8 +1351,8 @@
         </p:blipFill>
         <p:spPr>
           <a:xfrm>
-            <a:off x="0" y="62508"/>
-            <a:ext cx="14630400" cy="8229600"/>
+            <a:off x="-1" y="0"/>
+            <a:ext cx="14630399" cy="8292108"/>
           </a:xfrm>
           <a:prstGeom prst="rect">
             <a:avLst/>
@@ -1516,29 +1499,15 @@
           <a:chExt cx="0" cy="0"/>
         </a:xfrm>
       </p:grpSpPr>
-      <p:sp>
-        <p:nvSpPr>
-          <p:cNvPr id="3" name="Shape 0"/>
-          <p:cNvSpPr/>
-          <p:nvPr/>
-        </p:nvSpPr>
-        <p:spPr>
-          <a:xfrm>
-            <a:off x="0" y="0"/>
-            <a:ext cx="14630400" cy="8229600"/>
-          </a:xfrm>
-          <a:prstGeom prst="rect">
-            <a:avLst/>
-          </a:prstGeom>
-          <a:solidFill>
-            <a:srgbClr val="07070C"/>
-          </a:solidFill>
-          <a:ln/>
-        </p:spPr>
-      </p:sp>
       <p:pic>
         <p:nvPicPr>
-          <p:cNvPr id="2" name="Image 0" descr="preencoded.png"/>
+          <p:cNvPr id="19" name="Рисунок 18">
+            <a:extLst>
+              <a:ext uri="{FF2B5EF4-FFF2-40B4-BE49-F238E27FC236}">
+                <a16:creationId xmlns:a16="http://schemas.microsoft.com/office/drawing/2014/main" id="{A2D4E48C-8FCC-41B9-A294-00EBA653BC16}"/>
+              </a:ext>
+            </a:extLst>
+          </p:cNvPr>
           <p:cNvPicPr>
             <a:picLocks noChangeAspect="1"/>
           </p:cNvPicPr>
@@ -1552,8 +1521,8 @@
         </p:blipFill>
         <p:spPr>
           <a:xfrm>
-            <a:off x="7620" y="0"/>
-            <a:ext cx="14630400" cy="8229600"/>
+            <a:off x="0" y="0"/>
+            <a:ext cx="14653439" cy="8229600"/>
           </a:xfrm>
           <a:prstGeom prst="rect">
             <a:avLst/>
@@ -1582,6 +1551,16 @@
           <a:prstGeom prst="rect">
             <a:avLst/>
           </a:prstGeom>
+          <a:ln>
+            <a:noFill/>
+          </a:ln>
+          <a:effectLst>
+            <a:outerShdw blurRad="292100" dist="139700" dir="2700000" algn="tl" rotWithShape="0">
+              <a:srgbClr val="333333">
+                <a:alpha val="65000"/>
+              </a:srgbClr>
+            </a:outerShdw>
+          </a:effectLst>
         </p:spPr>
       </p:pic>
       <p:sp>
@@ -1592,7 +1571,7 @@
         </p:nvSpPr>
         <p:spPr>
           <a:xfrm>
-            <a:off x="833199" y="990719"/>
+            <a:off x="833199" y="519470"/>
             <a:ext cx="6197918" cy="694373"/>
           </a:xfrm>
           <a:prstGeom prst="rect">
@@ -1612,7 +1591,7 @@
               <a:buNone/>
             </a:pPr>
             <a:r>
-              <a:rPr lang="en-US" sz="4374" dirty="0">
+              <a:rPr lang="en-US" sz="6000" dirty="0">
                 <a:solidFill>
                   <a:srgbClr val="B380FF"/>
                 </a:solidFill>
@@ -1622,7 +1601,7 @@
               </a:rPr>
               <a:t>Цели и задачи проекта</a:t>
             </a:r>
-            <a:endParaRPr lang="en-US" sz="4374" dirty="0"/>
+            <a:endParaRPr lang="en-US" sz="6000" dirty="0"/>
           </a:p>
         </p:txBody>
       </p:sp>
@@ -1718,9 +1697,9 @@
               <a:buNone/>
             </a:pPr>
             <a:r>
-              <a:rPr lang="ru-RU" sz="2187" dirty="0">
-                <a:solidFill>
-                  <a:srgbClr val="B380FF"/>
+              <a:rPr lang="ru-RU" sz="3200" dirty="0">
+                <a:solidFill>
+                  <a:srgbClr val="966BD7"/>
                 </a:solidFill>
                 <a:latin typeface="Sora" pitchFamily="34" charset="0"/>
                 <a:ea typeface="Sora" pitchFamily="34" charset="-122"/>
@@ -1729,9 +1708,9 @@
               <a:t>Разработка</a:t>
             </a:r>
             <a:r>
-              <a:rPr lang="en-US" sz="2187" dirty="0">
-                <a:solidFill>
-                  <a:srgbClr val="B380FF"/>
+              <a:rPr lang="en-US" sz="3200" dirty="0">
+                <a:solidFill>
+                  <a:srgbClr val="966BD7"/>
                 </a:solidFill>
                 <a:latin typeface="Sora" pitchFamily="34" charset="0"/>
                 <a:ea typeface="Sora" pitchFamily="34" charset="-122"/>
@@ -1740,9 +1719,9 @@
               <a:t> </a:t>
             </a:r>
             <a:r>
-              <a:rPr lang="en-US" sz="2187" dirty="0" err="1">
-                <a:solidFill>
-                  <a:srgbClr val="B380FF"/>
+              <a:rPr lang="en-US" sz="3200" dirty="0" err="1">
+                <a:solidFill>
+                  <a:srgbClr val="966BD7"/>
                 </a:solidFill>
                 <a:latin typeface="Sora" pitchFamily="34" charset="0"/>
                 <a:ea typeface="Sora" pitchFamily="34" charset="-122"/>
@@ -1751,9 +1730,9 @@
               <a:t>интерактивной</a:t>
             </a:r>
             <a:r>
-              <a:rPr lang="ru-RU" sz="2187" dirty="0">
-                <a:solidFill>
-                  <a:srgbClr val="B380FF"/>
+              <a:rPr lang="ru-RU" sz="3200" dirty="0">
+                <a:solidFill>
+                  <a:srgbClr val="966BD7"/>
                 </a:solidFill>
                 <a:latin typeface="Sora" pitchFamily="34" charset="0"/>
                 <a:ea typeface="Sora" pitchFamily="34" charset="-122"/>
@@ -1762,9 +1741,9 @@
               <a:t> </a:t>
             </a:r>
             <a:r>
-              <a:rPr lang="en-US" sz="2187" dirty="0" err="1">
-                <a:solidFill>
-                  <a:srgbClr val="B380FF"/>
+              <a:rPr lang="en-US" sz="3200" dirty="0" err="1">
+                <a:solidFill>
+                  <a:srgbClr val="966BD7"/>
                 </a:solidFill>
                 <a:latin typeface="Sora" pitchFamily="34" charset="0"/>
                 <a:ea typeface="Sora" pitchFamily="34" charset="-122"/>
@@ -1772,7 +1751,11 @@
               </a:rPr>
               <a:t>среды</a:t>
             </a:r>
-            <a:endParaRPr lang="en-US" sz="2187" dirty="0"/>
+            <a:endParaRPr lang="en-US" sz="3200" dirty="0">
+              <a:solidFill>
+                <a:srgbClr val="966BD7"/>
+              </a:solidFill>
+            </a:endParaRPr>
           </a:p>
         </p:txBody>
       </p:sp>
@@ -1784,7 +1767,7 @@
         </p:nvSpPr>
         <p:spPr>
           <a:xfrm>
-            <a:off x="1555313" y="3095863"/>
+            <a:off x="1555313" y="3483728"/>
             <a:ext cx="3820002" cy="1421606"/>
           </a:xfrm>
           <a:prstGeom prst="rect">
@@ -1804,9 +1787,12 @@
               <a:buNone/>
             </a:pPr>
             <a:r>
-              <a:rPr lang="en-US" sz="1750" dirty="0">
-                <a:solidFill>
-                  <a:srgbClr val="E0D6DE"/>
+              <a:rPr lang="en-US" sz="2400" dirty="0">
+                <a:solidFill>
+                  <a:schemeClr val="tx1">
+                    <a:lumMod val="85000"/>
+                    <a:lumOff val="15000"/>
+                  </a:schemeClr>
                 </a:solidFill>
                 <a:latin typeface="Noto Sans TC" pitchFamily="34" charset="0"/>
                 <a:ea typeface="Noto Sans TC" pitchFamily="34" charset="-122"/>
@@ -1815,9 +1801,12 @@
               <a:t>Разработка динамичного и вовлекающего веб-сайта, который </a:t>
             </a:r>
             <a:r>
-              <a:rPr lang="en-US" sz="1750" dirty="0" err="1">
-                <a:solidFill>
-                  <a:srgbClr val="E0D6DE"/>
+              <a:rPr lang="en-US" sz="2400" dirty="0" err="1">
+                <a:solidFill>
+                  <a:schemeClr val="tx1">
+                    <a:lumMod val="85000"/>
+                    <a:lumOff val="15000"/>
+                  </a:schemeClr>
                 </a:solidFill>
                 <a:latin typeface="Noto Sans TC" pitchFamily="34" charset="0"/>
                 <a:ea typeface="Noto Sans TC" pitchFamily="34" charset="-122"/>
@@ -1826,9 +1815,12 @@
               <a:t>сделает</a:t>
             </a:r>
             <a:r>
-              <a:rPr lang="en-US" sz="1750" dirty="0">
-                <a:solidFill>
-                  <a:srgbClr val="E0D6DE"/>
+              <a:rPr lang="en-US" sz="2400" dirty="0">
+                <a:solidFill>
+                  <a:schemeClr val="tx1">
+                    <a:lumMod val="85000"/>
+                    <a:lumOff val="15000"/>
+                  </a:schemeClr>
                 </a:solidFill>
                 <a:latin typeface="Noto Sans TC" pitchFamily="34" charset="0"/>
                 <a:ea typeface="Noto Sans TC" pitchFamily="34" charset="-122"/>
@@ -1837,9 +1829,12 @@
               <a:t> </a:t>
             </a:r>
             <a:r>
-              <a:rPr lang="ru-RU" sz="1750" dirty="0">
-                <a:solidFill>
-                  <a:srgbClr val="E0D6DE"/>
+              <a:rPr lang="ru-RU" sz="2400" dirty="0">
+                <a:solidFill>
+                  <a:schemeClr val="tx1">
+                    <a:lumMod val="85000"/>
+                    <a:lumOff val="15000"/>
+                  </a:schemeClr>
                 </a:solidFill>
                 <a:latin typeface="Noto Sans TC" pitchFamily="34" charset="0"/>
                 <a:ea typeface="Noto Sans TC" pitchFamily="34" charset="-122"/>
@@ -1848,9 +1843,12 @@
               <a:t>веб-сайт</a:t>
             </a:r>
             <a:r>
-              <a:rPr lang="en-US" sz="1750" dirty="0">
-                <a:solidFill>
-                  <a:srgbClr val="E0D6DE"/>
+              <a:rPr lang="en-US" sz="2400" dirty="0">
+                <a:solidFill>
+                  <a:schemeClr val="tx1">
+                    <a:lumMod val="85000"/>
+                    <a:lumOff val="15000"/>
+                  </a:schemeClr>
                 </a:solidFill>
                 <a:latin typeface="Noto Sans TC" pitchFamily="34" charset="0"/>
                 <a:ea typeface="Noto Sans TC" pitchFamily="34" charset="-122"/>
@@ -1858,7 +1856,14 @@
               </a:rPr>
               <a:t> более увлекательным и результативным.</a:t>
             </a:r>
-            <a:endParaRPr lang="en-US" sz="1750" dirty="0"/>
+            <a:endParaRPr lang="en-US" sz="2400" dirty="0">
+              <a:solidFill>
+                <a:schemeClr val="tx1">
+                  <a:lumMod val="85000"/>
+                  <a:lumOff val="15000"/>
+                </a:schemeClr>
+              </a:solidFill>
+            </a:endParaRPr>
           </a:p>
         </p:txBody>
       </p:sp>
@@ -1954,9 +1959,9 @@
               <a:buNone/>
             </a:pPr>
             <a:r>
-              <a:rPr lang="ru-RU" sz="2187" dirty="0">
-                <a:solidFill>
-                  <a:srgbClr val="B380FF"/>
+              <a:rPr lang="ru-RU" sz="3200" dirty="0">
+                <a:solidFill>
+                  <a:srgbClr val="966BD7"/>
                 </a:solidFill>
                 <a:latin typeface="Sora" pitchFamily="34" charset="0"/>
                 <a:ea typeface="Sora" pitchFamily="34" charset="-122"/>
@@ -1964,7 +1969,11 @@
               </a:rPr>
               <a:t>Привлечение пользователей</a:t>
             </a:r>
-            <a:endParaRPr lang="en-US" sz="2187" dirty="0"/>
+            <a:endParaRPr lang="en-US" sz="3200" dirty="0">
+              <a:solidFill>
+                <a:srgbClr val="966BD7"/>
+              </a:solidFill>
+            </a:endParaRPr>
           </a:p>
         </p:txBody>
       </p:sp>
@@ -1976,7 +1985,7 @@
         </p:nvSpPr>
         <p:spPr>
           <a:xfrm>
-            <a:off x="6319599" y="2962633"/>
+            <a:off x="6319599" y="3411874"/>
             <a:ext cx="3820001" cy="2132409"/>
           </a:xfrm>
           <a:prstGeom prst="rect">
@@ -1996,9 +2005,12 @@
               <a:buNone/>
             </a:pPr>
             <a:r>
-              <a:rPr lang="ru-RU" sz="1750" dirty="0">
-                <a:solidFill>
-                  <a:srgbClr val="E0D6DE"/>
+              <a:rPr lang="ru-RU" sz="2400" dirty="0">
+                <a:solidFill>
+                  <a:schemeClr val="tx1">
+                    <a:lumMod val="85000"/>
+                    <a:lumOff val="15000"/>
+                  </a:schemeClr>
                 </a:solidFill>
                 <a:latin typeface="Noto Sans TC" pitchFamily="34" charset="0"/>
                 <a:ea typeface="Noto Sans TC" pitchFamily="34" charset="-122"/>
@@ -2006,7 +2018,14 @@
               </a:rPr>
               <a:t>Привлечение обучающихся начальной школы, психолого-педагогических классов, учителей, родителей обучающихся.</a:t>
             </a:r>
-            <a:endParaRPr lang="en-US" sz="1750" dirty="0"/>
+            <a:endParaRPr lang="en-US" sz="2400" dirty="0">
+              <a:solidFill>
+                <a:schemeClr val="tx1">
+                  <a:lumMod val="85000"/>
+                  <a:lumOff val="15000"/>
+                </a:schemeClr>
+              </a:solidFill>
+            </a:endParaRPr>
           </a:p>
         </p:txBody>
       </p:sp>
@@ -2102,9 +2121,9 @@
               <a:buNone/>
             </a:pPr>
             <a:r>
-              <a:rPr lang="ru-RU" sz="2187" dirty="0">
-                <a:solidFill>
-                  <a:srgbClr val="B380FF"/>
+              <a:rPr lang="ru-RU" sz="3200" dirty="0">
+                <a:solidFill>
+                  <a:srgbClr val="966BD7"/>
                 </a:solidFill>
                 <a:latin typeface="Sora" pitchFamily="34" charset="0"/>
                 <a:ea typeface="Sora" pitchFamily="34" charset="-122"/>
@@ -2112,7 +2131,11 @@
               </a:rPr>
               <a:t>Тестирование веб-сайта</a:t>
             </a:r>
-            <a:endParaRPr lang="en-US" sz="2187" dirty="0"/>
+            <a:endParaRPr lang="en-US" sz="3200" dirty="0">
+              <a:solidFill>
+                <a:srgbClr val="966BD7"/>
+              </a:solidFill>
+            </a:endParaRPr>
           </a:p>
         </p:txBody>
       </p:sp>
@@ -2144,9 +2167,12 @@
               <a:buNone/>
             </a:pPr>
             <a:r>
-              <a:rPr lang="ru-RU" sz="1750" dirty="0">
-                <a:solidFill>
-                  <a:srgbClr val="E0D6DE"/>
+              <a:rPr lang="ru-RU" sz="2400" dirty="0">
+                <a:solidFill>
+                  <a:schemeClr val="tx1">
+                    <a:lumMod val="85000"/>
+                    <a:lumOff val="15000"/>
+                  </a:schemeClr>
                 </a:solidFill>
                 <a:latin typeface="Noto Sans TC" pitchFamily="34" charset="0"/>
                 <a:ea typeface="Noto Sans TC" pitchFamily="34" charset="-122"/>
@@ -2155,9 +2181,12 @@
               <a:t>Проведение тестирование работоспособности и </a:t>
             </a:r>
             <a:r>
-              <a:rPr lang="ru-RU" sz="1750" dirty="0" err="1">
-                <a:solidFill>
-                  <a:srgbClr val="E0D6DE"/>
+              <a:rPr lang="ru-RU" sz="2400" dirty="0" err="1">
+                <a:solidFill>
+                  <a:schemeClr val="tx1">
+                    <a:lumMod val="85000"/>
+                    <a:lumOff val="15000"/>
+                  </a:schemeClr>
                 </a:solidFill>
                 <a:latin typeface="Noto Sans TC" pitchFamily="34" charset="0"/>
                 <a:ea typeface="Noto Sans TC" pitchFamily="34" charset="-122"/>
@@ -2166,9 +2195,12 @@
               <a:t>кликабельности</a:t>
             </a:r>
             <a:r>
-              <a:rPr lang="ru-RU" sz="1750" dirty="0">
-                <a:solidFill>
-                  <a:srgbClr val="E0D6DE"/>
+              <a:rPr lang="ru-RU" sz="2400" dirty="0">
+                <a:solidFill>
+                  <a:schemeClr val="tx1">
+                    <a:lumMod val="85000"/>
+                    <a:lumOff val="15000"/>
+                  </a:schemeClr>
                 </a:solidFill>
                 <a:latin typeface="Noto Sans TC" pitchFamily="34" charset="0"/>
                 <a:ea typeface="Noto Sans TC" pitchFamily="34" charset="-122"/>
@@ -2176,7 +2208,14 @@
               </a:rPr>
               <a:t> веб-сайта.</a:t>
             </a:r>
-            <a:endParaRPr lang="en-US" sz="1750" dirty="0"/>
+            <a:endParaRPr lang="en-US" sz="2400" dirty="0">
+              <a:solidFill>
+                <a:schemeClr val="tx1">
+                  <a:lumMod val="85000"/>
+                  <a:lumOff val="15000"/>
+                </a:schemeClr>
+              </a:solidFill>
+            </a:endParaRPr>
           </a:p>
         </p:txBody>
       </p:sp>
@@ -2205,29 +2244,15 @@
           <a:chExt cx="0" cy="0"/>
         </a:xfrm>
       </p:grpSpPr>
-      <p:sp>
-        <p:nvSpPr>
-          <p:cNvPr id="3" name="Shape 0"/>
-          <p:cNvSpPr/>
-          <p:nvPr/>
-        </p:nvSpPr>
-        <p:spPr>
-          <a:xfrm>
-            <a:off x="0" y="0"/>
-            <a:ext cx="14630400" cy="8229600"/>
-          </a:xfrm>
-          <a:prstGeom prst="rect">
-            <a:avLst/>
-          </a:prstGeom>
-          <a:solidFill>
-            <a:srgbClr val="07070C"/>
-          </a:solidFill>
-          <a:ln/>
-        </p:spPr>
-      </p:sp>
       <p:pic>
         <p:nvPicPr>
-          <p:cNvPr id="2" name="Image 0" descr="preencoded.png"/>
+          <p:cNvPr id="12" name="Рисунок 11">
+            <a:extLst>
+              <a:ext uri="{FF2B5EF4-FFF2-40B4-BE49-F238E27FC236}">
+                <a16:creationId xmlns:a16="http://schemas.microsoft.com/office/drawing/2014/main" id="{0D4F3421-01C4-4212-95AF-3E50DAF34D7D}"/>
+              </a:ext>
+            </a:extLst>
+          </p:cNvPr>
           <p:cNvPicPr>
             <a:picLocks noChangeAspect="1"/>
           </p:cNvPicPr>
@@ -2241,7 +2266,7 @@
         </p:blipFill>
         <p:spPr>
           <a:xfrm>
-            <a:off x="0" y="0"/>
+            <a:off x="6905" y="0"/>
             <a:ext cx="14630400" cy="8229600"/>
           </a:xfrm>
           <a:prstGeom prst="rect">
@@ -2257,7 +2282,7 @@
         </p:nvSpPr>
         <p:spPr>
           <a:xfrm>
-            <a:off x="2037993" y="1683663"/>
+            <a:off x="2037993" y="679984"/>
             <a:ext cx="5554980" cy="694373"/>
           </a:xfrm>
           <a:prstGeom prst="rect">
@@ -2277,9 +2302,9 @@
               <a:buNone/>
             </a:pPr>
             <a:r>
-              <a:rPr lang="en-US" sz="4374" dirty="0">
-                <a:solidFill>
-                  <a:srgbClr val="B380FF"/>
+              <a:rPr lang="en-US" sz="6000" dirty="0">
+                <a:solidFill>
+                  <a:srgbClr val="966BD7"/>
                 </a:solidFill>
                 <a:latin typeface="Sora" pitchFamily="34" charset="0"/>
                 <a:ea typeface="Sora" pitchFamily="34" charset="-122"/>
@@ -2287,7 +2312,11 @@
               </a:rPr>
               <a:t>Целевая аудитория</a:t>
             </a:r>
-            <a:endParaRPr lang="en-US" sz="4374" dirty="0"/>
+            <a:endParaRPr lang="en-US" sz="6000" dirty="0">
+              <a:solidFill>
+                <a:srgbClr val="966BD7"/>
+              </a:solidFill>
+            </a:endParaRPr>
           </a:p>
         </p:txBody>
       </p:sp>
@@ -2299,7 +2328,7 @@
         </p:nvSpPr>
         <p:spPr>
           <a:xfrm>
-            <a:off x="2037993" y="2933462"/>
+            <a:off x="2037993" y="2264995"/>
             <a:ext cx="2777490" cy="347186"/>
           </a:xfrm>
           <a:prstGeom prst="rect">
@@ -2319,9 +2348,9 @@
               <a:buNone/>
             </a:pPr>
             <a:r>
-              <a:rPr lang="en-US" sz="2187" dirty="0">
-                <a:solidFill>
-                  <a:srgbClr val="B380FF"/>
+              <a:rPr lang="en-US" sz="3600" dirty="0">
+                <a:solidFill>
+                  <a:srgbClr val="966BD7"/>
                 </a:solidFill>
                 <a:latin typeface="Sora" pitchFamily="34" charset="0"/>
                 <a:ea typeface="Sora" pitchFamily="34" charset="-122"/>
@@ -2329,7 +2358,11 @@
               </a:rPr>
               <a:t>Преподаватели</a:t>
             </a:r>
-            <a:endParaRPr lang="en-US" sz="2187" dirty="0"/>
+            <a:endParaRPr lang="en-US" sz="3600" dirty="0">
+              <a:solidFill>
+                <a:srgbClr val="966BD7"/>
+              </a:solidFill>
+            </a:endParaRPr>
           </a:p>
         </p:txBody>
       </p:sp>
@@ -2341,7 +2374,7 @@
         </p:nvSpPr>
         <p:spPr>
           <a:xfrm>
-            <a:off x="2037993" y="3502819"/>
+            <a:off x="2037993" y="2933079"/>
             <a:ext cx="3156347" cy="2843213"/>
           </a:xfrm>
           <a:prstGeom prst="rect">
@@ -2361,31 +2394,40 @@
               <a:buNone/>
             </a:pPr>
             <a:r>
-              <a:rPr lang="en-US" sz="1750" dirty="0">
-                <a:solidFill>
-                  <a:srgbClr val="E0D6DE"/>
+              <a:rPr lang="en-US" sz="2800" dirty="0">
+                <a:solidFill>
+                  <a:schemeClr val="tx1">
+                    <a:lumMod val="85000"/>
+                    <a:lumOff val="15000"/>
+                  </a:schemeClr>
                 </a:solidFill>
                 <a:latin typeface="Noto Sans TC" pitchFamily="34" charset="0"/>
                 <a:ea typeface="Noto Sans TC" pitchFamily="34" charset="-122"/>
                 <a:cs typeface="Noto Sans TC" pitchFamily="34" charset="-120"/>
               </a:rPr>
-              <a:t>Наш веб-сайт станет незаменимым помощником для преподавателей, которые стремятся совершенствовать свои методики и </a:t>
-            </a:r>
-            <a:r>
-              <a:rPr lang="en-US" sz="1750" dirty="0" err="1">
-                <a:solidFill>
-                  <a:srgbClr val="E0D6DE"/>
+              <a:t>Наш </a:t>
+            </a:r>
+            <a:r>
+              <a:rPr lang="en-US" sz="2800" dirty="0" err="1">
+                <a:solidFill>
+                  <a:schemeClr val="tx1">
+                    <a:lumMod val="85000"/>
+                    <a:lumOff val="15000"/>
+                  </a:schemeClr>
                 </a:solidFill>
                 <a:latin typeface="Noto Sans TC" pitchFamily="34" charset="0"/>
                 <a:ea typeface="Noto Sans TC" pitchFamily="34" charset="-122"/>
                 <a:cs typeface="Noto Sans TC" pitchFamily="34" charset="-120"/>
               </a:rPr>
-              <a:t>помогать</a:t>
-            </a:r>
-            <a:r>
-              <a:rPr lang="en-US" sz="1750" dirty="0">
-                <a:solidFill>
-                  <a:srgbClr val="E0D6DE"/>
+              <a:t>веб-сайт</a:t>
+            </a:r>
+            <a:r>
+              <a:rPr lang="en-US" sz="2800" dirty="0">
+                <a:solidFill>
+                  <a:schemeClr val="tx1">
+                    <a:lumMod val="85000"/>
+                    <a:lumOff val="15000"/>
+                  </a:schemeClr>
                 </a:solidFill>
                 <a:latin typeface="Noto Sans TC" pitchFamily="34" charset="0"/>
                 <a:ea typeface="Noto Sans TC" pitchFamily="34" charset="-122"/>
@@ -2394,28 +2436,111 @@
               <a:t> </a:t>
             </a:r>
             <a:r>
-              <a:rPr lang="ru-RU" sz="1750" dirty="0">
-                <a:solidFill>
-                  <a:srgbClr val="E0D6DE"/>
+              <a:rPr lang="ru-RU" sz="2800" dirty="0">
+                <a:solidFill>
+                  <a:schemeClr val="tx1">
+                    <a:lumMod val="85000"/>
+                    <a:lumOff val="15000"/>
+                  </a:schemeClr>
                 </a:solidFill>
                 <a:latin typeface="Noto Sans TC" pitchFamily="34" charset="0"/>
                 <a:ea typeface="Noto Sans TC" pitchFamily="34" charset="-122"/>
                 <a:cs typeface="Noto Sans TC" pitchFamily="34" charset="-120"/>
               </a:rPr>
-              <a:t>учащимся ППК</a:t>
-            </a:r>
-            <a:r>
-              <a:rPr lang="en-US" sz="1750" dirty="0">
-                <a:solidFill>
-                  <a:srgbClr val="E0D6DE"/>
+              <a:t>станет </a:t>
+            </a:r>
+            <a:r>
+              <a:rPr lang="en-US" sz="2800" dirty="0" err="1">
+                <a:solidFill>
+                  <a:schemeClr val="tx1">
+                    <a:lumMod val="85000"/>
+                    <a:lumOff val="15000"/>
+                  </a:schemeClr>
                 </a:solidFill>
                 <a:latin typeface="Noto Sans TC" pitchFamily="34" charset="0"/>
                 <a:ea typeface="Noto Sans TC" pitchFamily="34" charset="-122"/>
                 <a:cs typeface="Noto Sans TC" pitchFamily="34" charset="-120"/>
               </a:rPr>
+              <a:t>помощником</a:t>
+            </a:r>
+            <a:r>
+              <a:rPr lang="en-US" sz="2800" dirty="0">
+                <a:solidFill>
+                  <a:schemeClr val="tx1">
+                    <a:lumMod val="85000"/>
+                    <a:lumOff val="15000"/>
+                  </a:schemeClr>
+                </a:solidFill>
+                <a:latin typeface="Noto Sans TC" pitchFamily="34" charset="0"/>
+                <a:ea typeface="Noto Sans TC" pitchFamily="34" charset="-122"/>
+                <a:cs typeface="Noto Sans TC" pitchFamily="34" charset="-120"/>
+              </a:rPr>
+              <a:t> для преподавателей, которые стремятся совершенствовать свои методики и </a:t>
+            </a:r>
+            <a:r>
+              <a:rPr lang="en-US" sz="2800" dirty="0" err="1">
+                <a:solidFill>
+                  <a:schemeClr val="tx1">
+                    <a:lumMod val="85000"/>
+                    <a:lumOff val="15000"/>
+                  </a:schemeClr>
+                </a:solidFill>
+                <a:latin typeface="Noto Sans TC" pitchFamily="34" charset="0"/>
+                <a:ea typeface="Noto Sans TC" pitchFamily="34" charset="-122"/>
+                <a:cs typeface="Noto Sans TC" pitchFamily="34" charset="-120"/>
+              </a:rPr>
+              <a:t>помогать</a:t>
+            </a:r>
+            <a:r>
+              <a:rPr lang="en-US" sz="2800" dirty="0">
+                <a:solidFill>
+                  <a:schemeClr val="tx1">
+                    <a:lumMod val="85000"/>
+                    <a:lumOff val="15000"/>
+                  </a:schemeClr>
+                </a:solidFill>
+                <a:latin typeface="Noto Sans TC" pitchFamily="34" charset="0"/>
+                <a:ea typeface="Noto Sans TC" pitchFamily="34" charset="-122"/>
+                <a:cs typeface="Noto Sans TC" pitchFamily="34" charset="-120"/>
+              </a:rPr>
+              <a:t> </a:t>
+            </a:r>
+            <a:r>
+              <a:rPr lang="ru-RU" sz="2800" dirty="0">
+                <a:solidFill>
+                  <a:schemeClr val="tx1">
+                    <a:lumMod val="85000"/>
+                    <a:lumOff val="15000"/>
+                  </a:schemeClr>
+                </a:solidFill>
+                <a:latin typeface="Noto Sans TC" pitchFamily="34" charset="0"/>
+                <a:ea typeface="Noto Sans TC" pitchFamily="34" charset="-122"/>
+                <a:cs typeface="Noto Sans TC" pitchFamily="34" charset="-120"/>
+              </a:rPr>
+              <a:t>учащимся ППК</a:t>
+            </a:r>
+            <a:r>
+              <a:rPr lang="en-US" sz="2800" dirty="0">
+                <a:solidFill>
+                  <a:schemeClr val="tx1">
+                    <a:lumMod val="85000"/>
+                    <a:lumOff val="15000"/>
+                  </a:schemeClr>
+                </a:solidFill>
+                <a:latin typeface="Noto Sans TC" pitchFamily="34" charset="0"/>
+                <a:ea typeface="Noto Sans TC" pitchFamily="34" charset="-122"/>
+                <a:cs typeface="Noto Sans TC" pitchFamily="34" charset="-120"/>
+              </a:rPr>
               <a:t> раскрывать свой потенциал.</a:t>
             </a:r>
-            <a:endParaRPr lang="en-US" sz="1750" dirty="0"/>
+            <a:endParaRPr lang="en-US" sz="2800" dirty="0">
+              <a:solidFill>
+                <a:schemeClr val="tx1">
+                  <a:lumMod val="85000"/>
+                  <a:lumOff val="15000"/>
+                </a:schemeClr>
+              </a:solidFill>
+            </a:endParaRPr>
           </a:p>
         </p:txBody>
       </p:sp>
@@ -2427,7 +2552,7 @@
         </p:nvSpPr>
         <p:spPr>
           <a:xfrm>
-            <a:off x="5743932" y="2933462"/>
+            <a:off x="5743932" y="2264995"/>
             <a:ext cx="2777490" cy="347186"/>
           </a:xfrm>
           <a:prstGeom prst="rect">
@@ -2447,15 +2572,19 @@
               <a:buNone/>
             </a:pPr>
             <a:r>
-              <a:rPr lang="ru-RU" sz="2187" dirty="0">
-                <a:solidFill>
-                  <a:srgbClr val="B380FF"/>
+              <a:rPr lang="ru-RU" sz="3200" dirty="0">
+                <a:solidFill>
+                  <a:srgbClr val="966BD7"/>
                 </a:solidFill>
                 <a:ea typeface="Sora" pitchFamily="34" charset="-122"/>
               </a:rPr>
               <a:t>Учащиеся ППК</a:t>
             </a:r>
-            <a:endParaRPr lang="en-US" sz="2187" dirty="0"/>
+            <a:endParaRPr lang="en-US" sz="3200" dirty="0">
+              <a:solidFill>
+                <a:srgbClr val="966BD7"/>
+              </a:solidFill>
+            </a:endParaRPr>
           </a:p>
         </p:txBody>
       </p:sp>
@@ -2467,7 +2596,7 @@
         </p:nvSpPr>
         <p:spPr>
           <a:xfrm>
-            <a:off x="5743932" y="3502819"/>
+            <a:off x="5743932" y="2933079"/>
             <a:ext cx="3156347" cy="2487811"/>
           </a:xfrm>
           <a:prstGeom prst="rect">
@@ -2487,9 +2616,12 @@
               <a:buNone/>
             </a:pPr>
             <a:r>
-              <a:rPr lang="ru-RU" sz="1750" dirty="0">
-                <a:solidFill>
-                  <a:srgbClr val="E0D6DE"/>
+              <a:rPr lang="ru-RU" sz="2800" dirty="0">
+                <a:solidFill>
+                  <a:schemeClr val="tx1">
+                    <a:lumMod val="85000"/>
+                    <a:lumOff val="15000"/>
+                  </a:schemeClr>
                 </a:solidFill>
                 <a:latin typeface="Noto Sans TC" pitchFamily="34" charset="0"/>
                 <a:ea typeface="Noto Sans TC" pitchFamily="34" charset="-122"/>
@@ -2498,9 +2630,12 @@
               <a:t>Веб-сайт</a:t>
             </a:r>
             <a:r>
-              <a:rPr lang="en-US" sz="1750" dirty="0">
-                <a:solidFill>
-                  <a:srgbClr val="E0D6DE"/>
+              <a:rPr lang="en-US" sz="2800" dirty="0">
+                <a:solidFill>
+                  <a:schemeClr val="tx1">
+                    <a:lumMod val="85000"/>
+                    <a:lumOff val="15000"/>
+                  </a:schemeClr>
                 </a:solidFill>
                 <a:latin typeface="Noto Sans TC" pitchFamily="34" charset="0"/>
                 <a:ea typeface="Noto Sans TC" pitchFamily="34" charset="-122"/>
@@ -2509,9 +2644,12 @@
               <a:t> "Учимся Учить" </a:t>
             </a:r>
             <a:r>
-              <a:rPr lang="en-US" sz="1750" dirty="0" err="1">
-                <a:solidFill>
-                  <a:srgbClr val="E0D6DE"/>
+              <a:rPr lang="en-US" sz="2800" dirty="0" err="1">
+                <a:solidFill>
+                  <a:schemeClr val="tx1">
+                    <a:lumMod val="85000"/>
+                    <a:lumOff val="15000"/>
+                  </a:schemeClr>
                 </a:solidFill>
                 <a:latin typeface="Noto Sans TC" pitchFamily="34" charset="0"/>
                 <a:ea typeface="Noto Sans TC" pitchFamily="34" charset="-122"/>
@@ -2520,9 +2658,12 @@
               <a:t>создан</a:t>
             </a:r>
             <a:r>
-              <a:rPr lang="en-US" sz="1750" dirty="0">
-                <a:solidFill>
-                  <a:srgbClr val="E0D6DE"/>
+              <a:rPr lang="en-US" sz="2800" dirty="0">
+                <a:solidFill>
+                  <a:schemeClr val="tx1">
+                    <a:lumMod val="85000"/>
+                    <a:lumOff val="15000"/>
+                  </a:schemeClr>
                 </a:solidFill>
                 <a:latin typeface="Noto Sans TC" pitchFamily="34" charset="0"/>
                 <a:ea typeface="Noto Sans TC" pitchFamily="34" charset="-122"/>
@@ -2531,9 +2672,12 @@
               <a:t> </a:t>
             </a:r>
             <a:r>
-              <a:rPr lang="en-US" sz="1750" dirty="0" err="1">
-                <a:solidFill>
-                  <a:srgbClr val="E0D6DE"/>
+              <a:rPr lang="en-US" sz="2800" dirty="0" err="1">
+                <a:solidFill>
+                  <a:schemeClr val="tx1">
+                    <a:lumMod val="85000"/>
+                    <a:lumOff val="15000"/>
+                  </a:schemeClr>
                 </a:solidFill>
                 <a:latin typeface="Noto Sans TC" pitchFamily="34" charset="0"/>
                 <a:ea typeface="Noto Sans TC" pitchFamily="34" charset="-122"/>
@@ -2542,9 +2686,12 @@
               <a:t>для</a:t>
             </a:r>
             <a:r>
-              <a:rPr lang="en-US" sz="1750" dirty="0">
-                <a:solidFill>
-                  <a:srgbClr val="E0D6DE"/>
+              <a:rPr lang="en-US" sz="2800" dirty="0">
+                <a:solidFill>
+                  <a:schemeClr val="tx1">
+                    <a:lumMod val="85000"/>
+                    <a:lumOff val="15000"/>
+                  </a:schemeClr>
                 </a:solidFill>
                 <a:latin typeface="Noto Sans TC" pitchFamily="34" charset="0"/>
                 <a:ea typeface="Noto Sans TC" pitchFamily="34" charset="-122"/>
@@ -2553,9 +2700,12 @@
               <a:t> </a:t>
             </a:r>
             <a:r>
-              <a:rPr lang="ru-RU" sz="1750" dirty="0">
-                <a:solidFill>
-                  <a:srgbClr val="E0D6DE"/>
+              <a:rPr lang="ru-RU" sz="2800" dirty="0">
+                <a:solidFill>
+                  <a:schemeClr val="tx1">
+                    <a:lumMod val="85000"/>
+                    <a:lumOff val="15000"/>
+                  </a:schemeClr>
                 </a:solidFill>
                 <a:latin typeface="Noto Sans TC" pitchFamily="34" charset="0"/>
                 <a:ea typeface="Noto Sans TC" pitchFamily="34" charset="-122"/>
@@ -2564,9 +2714,12 @@
               <a:t>учащихся ППК</a:t>
             </a:r>
             <a:r>
-              <a:rPr lang="en-US" sz="1750" dirty="0">
-                <a:solidFill>
-                  <a:srgbClr val="E0D6DE"/>
+              <a:rPr lang="en-US" sz="2800" dirty="0">
+                <a:solidFill>
+                  <a:schemeClr val="tx1">
+                    <a:lumMod val="85000"/>
+                    <a:lumOff val="15000"/>
+                  </a:schemeClr>
                 </a:solidFill>
                 <a:latin typeface="Noto Sans TC" pitchFamily="34" charset="0"/>
                 <a:ea typeface="Noto Sans TC" pitchFamily="34" charset="-122"/>
@@ -2575,9 +2728,12 @@
               <a:t> </a:t>
             </a:r>
             <a:r>
-              <a:rPr lang="ru-RU" sz="1750" dirty="0">
-                <a:solidFill>
-                  <a:srgbClr val="E0D6DE"/>
+              <a:rPr lang="ru-RU" sz="2800" dirty="0">
+                <a:solidFill>
+                  <a:schemeClr val="tx1">
+                    <a:lumMod val="85000"/>
+                    <a:lumOff val="15000"/>
+                  </a:schemeClr>
                 </a:solidFill>
                 <a:latin typeface="Noto Sans TC" pitchFamily="34" charset="0"/>
                 <a:ea typeface="Noto Sans TC" pitchFamily="34" charset="-122"/>
@@ -2586,9 +2742,12 @@
               <a:t>всех </a:t>
             </a:r>
             <a:r>
-              <a:rPr lang="en-US" sz="1750" dirty="0" err="1">
-                <a:solidFill>
-                  <a:srgbClr val="E0D6DE"/>
+              <a:rPr lang="en-US" sz="2800" dirty="0" err="1">
+                <a:solidFill>
+                  <a:schemeClr val="tx1">
+                    <a:lumMod val="85000"/>
+                    <a:lumOff val="15000"/>
+                  </a:schemeClr>
                 </a:solidFill>
                 <a:latin typeface="Noto Sans TC" pitchFamily="34" charset="0"/>
                 <a:ea typeface="Noto Sans TC" pitchFamily="34" charset="-122"/>
@@ -2597,9 +2756,12 @@
               <a:t>уровней</a:t>
             </a:r>
             <a:r>
-              <a:rPr lang="en-US" sz="1750" dirty="0">
-                <a:solidFill>
-                  <a:srgbClr val="E0D6DE"/>
+              <a:rPr lang="en-US" sz="2800" dirty="0">
+                <a:solidFill>
+                  <a:schemeClr val="tx1">
+                    <a:lumMod val="85000"/>
+                    <a:lumOff val="15000"/>
+                  </a:schemeClr>
                 </a:solidFill>
                 <a:latin typeface="Noto Sans TC" pitchFamily="34" charset="0"/>
                 <a:ea typeface="Noto Sans TC" pitchFamily="34" charset="-122"/>
@@ -2607,7 +2769,14 @@
               </a:rPr>
               <a:t> подготовки, которые хотят сделать обучение более увлекательным и эффективным.</a:t>
             </a:r>
-            <a:endParaRPr lang="en-US" sz="1750" dirty="0"/>
+            <a:endParaRPr lang="en-US" sz="2800" dirty="0">
+              <a:solidFill>
+                <a:schemeClr val="tx1">
+                  <a:lumMod val="85000"/>
+                  <a:lumOff val="15000"/>
+                </a:schemeClr>
+              </a:solidFill>
+            </a:endParaRPr>
           </a:p>
         </p:txBody>
       </p:sp>
@@ -2619,7 +2788,7 @@
         </p:nvSpPr>
         <p:spPr>
           <a:xfrm>
-            <a:off x="9449872" y="2933462"/>
+            <a:off x="9449871" y="2264995"/>
             <a:ext cx="2777490" cy="347186"/>
           </a:xfrm>
           <a:prstGeom prst="rect">
@@ -2639,9 +2808,9 @@
               <a:buNone/>
             </a:pPr>
             <a:r>
-              <a:rPr lang="ru-RU" sz="2187" dirty="0">
-                <a:solidFill>
-                  <a:srgbClr val="B380FF"/>
+              <a:rPr lang="ru-RU" sz="3200" dirty="0">
+                <a:solidFill>
+                  <a:srgbClr val="966BD7"/>
                 </a:solidFill>
                 <a:latin typeface="Sora" pitchFamily="34" charset="0"/>
                 <a:ea typeface="Sora" pitchFamily="34" charset="-122"/>
@@ -2649,7 +2818,11 @@
               </a:rPr>
               <a:t>Родители</a:t>
             </a:r>
-            <a:endParaRPr lang="en-US" sz="2187" dirty="0"/>
+            <a:endParaRPr lang="en-US" sz="3200" dirty="0">
+              <a:solidFill>
+                <a:srgbClr val="966BD7"/>
+              </a:solidFill>
+            </a:endParaRPr>
           </a:p>
         </p:txBody>
       </p:sp>
@@ -2661,7 +2834,7 @@
         </p:nvSpPr>
         <p:spPr>
           <a:xfrm>
-            <a:off x="9449872" y="3502819"/>
+            <a:off x="9449872" y="2870894"/>
             <a:ext cx="3156347" cy="2487811"/>
           </a:xfrm>
           <a:prstGeom prst="rect">
@@ -2681,17 +2854,27 @@
               <a:buNone/>
             </a:pPr>
             <a:r>
-              <a:rPr lang="ru-RU" sz="1750" dirty="0">
-                <a:solidFill>
-                  <a:srgbClr val="E0D6DE"/>
+              <a:rPr lang="ru-RU" sz="2800" dirty="0">
+                <a:solidFill>
+                  <a:schemeClr val="tx1">
+                    <a:lumMod val="85000"/>
+                    <a:lumOff val="15000"/>
+                  </a:schemeClr>
                 </a:solidFill>
                 <a:latin typeface="Noto Sans TC" pitchFamily="34" charset="0"/>
                 <a:ea typeface="Noto Sans TC" pitchFamily="34" charset="-122"/>
                 <a:cs typeface="Noto Sans TC" pitchFamily="34" charset="-120"/>
               </a:rPr>
-              <a:t>На нашем веб-сайте так же имеется вкладка для «Родителей», на которой расположены полезные советы.</a:t>
-            </a:r>
-            <a:endParaRPr lang="en-US" sz="1750" dirty="0"/>
+              <a:t>На нашем веб-сайте так же в скором времени будет вкладка для «Родителей», на которой расположены полезные советы.</a:t>
+            </a:r>
+            <a:endParaRPr lang="en-US" sz="2800" dirty="0">
+              <a:solidFill>
+                <a:schemeClr val="tx1">
+                  <a:lumMod val="85000"/>
+                  <a:lumOff val="15000"/>
+                </a:schemeClr>
+              </a:solidFill>
+            </a:endParaRPr>
           </a:p>
         </p:txBody>
       </p:sp>
@@ -2720,29 +2903,15 @@
           <a:chExt cx="0" cy="0"/>
         </a:xfrm>
       </p:grpSpPr>
-      <p:sp>
-        <p:nvSpPr>
-          <p:cNvPr id="3" name="Shape 0"/>
-          <p:cNvSpPr/>
-          <p:nvPr/>
-        </p:nvSpPr>
-        <p:spPr>
-          <a:xfrm>
-            <a:off x="0" y="0"/>
-            <a:ext cx="14630400" cy="8229600"/>
-          </a:xfrm>
-          <a:prstGeom prst="rect">
-            <a:avLst/>
-          </a:prstGeom>
-          <a:solidFill>
-            <a:srgbClr val="07070C"/>
-          </a:solidFill>
-          <a:ln/>
-        </p:spPr>
-      </p:sp>
       <p:pic>
         <p:nvPicPr>
-          <p:cNvPr id="2" name="Image 0" descr="preencoded.png"/>
+          <p:cNvPr id="17" name="Рисунок 16">
+            <a:extLst>
+              <a:ext uri="{FF2B5EF4-FFF2-40B4-BE49-F238E27FC236}">
+                <a16:creationId xmlns:a16="http://schemas.microsoft.com/office/drawing/2014/main" id="{C0439341-ADF1-45AC-A328-CB3C561792D5}"/>
+              </a:ext>
+            </a:extLst>
+          </p:cNvPr>
           <p:cNvPicPr>
             <a:picLocks noChangeAspect="1"/>
           </p:cNvPicPr>
@@ -2756,7 +2925,7 @@
         </p:blipFill>
         <p:spPr>
           <a:xfrm>
-            <a:off x="0" y="0"/>
+            <a:off x="74738" y="0"/>
             <a:ext cx="14630400" cy="8229600"/>
           </a:xfrm>
           <a:prstGeom prst="rect">
@@ -2792,9 +2961,9 @@
               <a:buNone/>
             </a:pPr>
             <a:r>
-              <a:rPr lang="en-US" sz="4374" dirty="0">
-                <a:solidFill>
-                  <a:srgbClr val="B380FF"/>
+              <a:rPr lang="en-US" sz="6000" dirty="0">
+                <a:solidFill>
+                  <a:srgbClr val="966BD7"/>
                 </a:solidFill>
                 <a:latin typeface="Sora" pitchFamily="34" charset="0"/>
                 <a:ea typeface="Sora" pitchFamily="34" charset="-122"/>
@@ -2802,7 +2971,11 @@
               </a:rPr>
               <a:t>Основные функции веб-сайта</a:t>
             </a:r>
-            <a:endParaRPr lang="en-US" sz="4374" dirty="0"/>
+            <a:endParaRPr lang="en-US" sz="6000" dirty="0">
+              <a:solidFill>
+                <a:srgbClr val="966BD7"/>
+              </a:solidFill>
+            </a:endParaRPr>
           </a:p>
         </p:txBody>
       </p:sp>
@@ -2856,15 +3029,19 @@
               <a:buNone/>
             </a:pPr>
             <a:r>
-              <a:rPr lang="ru-RU" sz="2187" dirty="0">
-                <a:solidFill>
-                  <a:srgbClr val="B380FF"/>
+              <a:rPr lang="ru-RU" sz="3600" dirty="0">
+                <a:solidFill>
+                  <a:srgbClr val="966BD7"/>
                 </a:solidFill>
                 <a:ea typeface="Sora" pitchFamily="34" charset="-122"/>
               </a:rPr>
               <a:t>Инструменты для учителей</a:t>
             </a:r>
-            <a:endParaRPr lang="en-US" sz="2187" dirty="0"/>
+            <a:endParaRPr lang="en-US" sz="3600" dirty="0">
+              <a:solidFill>
+                <a:srgbClr val="966BD7"/>
+              </a:solidFill>
+            </a:endParaRPr>
           </a:p>
         </p:txBody>
       </p:sp>
@@ -2896,7 +3073,7 @@
               <a:buNone/>
             </a:pPr>
             <a:r>
-              <a:rPr lang="en-US" sz="1750" dirty="0">
+              <a:rPr lang="en-US" sz="2400" dirty="0" err="1">
                 <a:solidFill>
                   <a:srgbClr val="E0D6DE"/>
                 </a:solidFill>
@@ -2904,9 +3081,42 @@
                 <a:ea typeface="Noto Sans TC" pitchFamily="34" charset="-122"/>
                 <a:cs typeface="Noto Sans TC" pitchFamily="34" charset="-120"/>
               </a:rPr>
-              <a:t>Захватывающие мультимедийные курсы, адаптированные под различные стили обучения.</a:t>
-            </a:r>
-            <a:endParaRPr lang="en-US" sz="1750" dirty="0"/>
+              <a:t>Захватывающие</a:t>
+            </a:r>
+            <a:r>
+              <a:rPr lang="ru-RU" sz="2400" dirty="0">
+                <a:solidFill>
+                  <a:srgbClr val="E0D6DE"/>
+                </a:solidFill>
+                <a:latin typeface="Noto Sans TC" pitchFamily="34" charset="0"/>
+                <a:ea typeface="Noto Sans TC" pitchFamily="34" charset="-122"/>
+                <a:cs typeface="Noto Sans TC" pitchFamily="34" charset="-120"/>
+              </a:rPr>
+              <a:t> </a:t>
+            </a:r>
+            <a:r>
+              <a:rPr lang="en-US" sz="2400" dirty="0" err="1">
+                <a:solidFill>
+                  <a:srgbClr val="E0D6DE"/>
+                </a:solidFill>
+                <a:latin typeface="Noto Sans TC" pitchFamily="34" charset="0"/>
+                <a:ea typeface="Noto Sans TC" pitchFamily="34" charset="-122"/>
+                <a:cs typeface="Noto Sans TC" pitchFamily="34" charset="-120"/>
+              </a:rPr>
+              <a:t>курсы</a:t>
+            </a:r>
+            <a:r>
+              <a:rPr lang="en-US" sz="2400" dirty="0">
+                <a:solidFill>
+                  <a:srgbClr val="E0D6DE"/>
+                </a:solidFill>
+                <a:latin typeface="Noto Sans TC" pitchFamily="34" charset="0"/>
+                <a:ea typeface="Noto Sans TC" pitchFamily="34" charset="-122"/>
+                <a:cs typeface="Noto Sans TC" pitchFamily="34" charset="-120"/>
+              </a:rPr>
+              <a:t>, адаптированные под различные стили обучения.</a:t>
+            </a:r>
+            <a:endParaRPr lang="en-US" sz="2400" dirty="0"/>
           </a:p>
         </p:txBody>
       </p:sp>
@@ -2940,8 +3150,8 @@
         </p:nvSpPr>
         <p:spPr>
           <a:xfrm>
-            <a:off x="7648456" y="2630686"/>
-            <a:ext cx="4676656" cy="347186"/>
+            <a:off x="7648455" y="2630686"/>
+            <a:ext cx="4721781" cy="480418"/>
           </a:xfrm>
           <a:prstGeom prst="rect">
             <a:avLst/>
@@ -2960,17 +3170,70 @@
               <a:buNone/>
             </a:pPr>
             <a:r>
-              <a:rPr lang="en-US" sz="2187" dirty="0">
-                <a:solidFill>
-                  <a:srgbClr val="B380FF"/>
+              <a:rPr lang="en-US" sz="3600" dirty="0">
+                <a:solidFill>
+                  <a:srgbClr val="966BD7"/>
                 </a:solidFill>
                 <a:latin typeface="Sora" pitchFamily="34" charset="0"/>
                 <a:ea typeface="Sora" pitchFamily="34" charset="-122"/>
                 <a:cs typeface="Sora" pitchFamily="34" charset="-120"/>
               </a:rPr>
-              <a:t>Инструменты для преподавателей</a:t>
-            </a:r>
-            <a:endParaRPr lang="en-US" sz="2187" dirty="0"/>
+              <a:t>Инструменты </a:t>
+            </a:r>
+            <a:r>
+              <a:rPr lang="en-US" sz="3600" dirty="0" err="1">
+                <a:solidFill>
+                  <a:srgbClr val="966BD7"/>
+                </a:solidFill>
+                <a:latin typeface="Sora" pitchFamily="34" charset="0"/>
+                <a:ea typeface="Sora" pitchFamily="34" charset="-122"/>
+                <a:cs typeface="Sora" pitchFamily="34" charset="-120"/>
+              </a:rPr>
+              <a:t>для</a:t>
+            </a:r>
+            <a:r>
+              <a:rPr lang="en-US" sz="3600" dirty="0">
+                <a:solidFill>
+                  <a:srgbClr val="966BD7"/>
+                </a:solidFill>
+                <a:latin typeface="Sora" pitchFamily="34" charset="0"/>
+                <a:ea typeface="Sora" pitchFamily="34" charset="-122"/>
+                <a:cs typeface="Sora" pitchFamily="34" charset="-120"/>
+              </a:rPr>
+              <a:t> </a:t>
+            </a:r>
+            <a:endParaRPr lang="ru-RU" sz="3600" dirty="0">
+              <a:solidFill>
+                <a:srgbClr val="966BD7"/>
+              </a:solidFill>
+              <a:latin typeface="Sora" pitchFamily="34" charset="0"/>
+              <a:ea typeface="Sora" pitchFamily="34" charset="-122"/>
+              <a:cs typeface="Sora" pitchFamily="34" charset="-120"/>
+            </a:endParaRPr>
+          </a:p>
+          <a:p>
+            <a:pPr marL="0" indent="0">
+              <a:lnSpc>
+                <a:spcPts val="2734"/>
+              </a:lnSpc>
+              <a:buNone/>
+            </a:pPr>
+            <a:r>
+              <a:rPr lang="en-US" sz="3600" dirty="0" err="1">
+                <a:solidFill>
+                  <a:srgbClr val="966BD7"/>
+                </a:solidFill>
+                <a:latin typeface="Sora" pitchFamily="34" charset="0"/>
+                <a:ea typeface="Sora" pitchFamily="34" charset="-122"/>
+                <a:cs typeface="Sora" pitchFamily="34" charset="-120"/>
+              </a:rPr>
+              <a:t>преподавателей</a:t>
+            </a:r>
+            <a:endParaRPr lang="en-US" sz="3600" dirty="0">
+              <a:solidFill>
+                <a:srgbClr val="966BD7"/>
+              </a:solidFill>
+            </a:endParaRPr>
           </a:p>
         </p:txBody>
       </p:sp>
@@ -2982,7 +3245,7 @@
         </p:nvSpPr>
         <p:spPr>
           <a:xfrm>
-            <a:off x="7648456" y="3111103"/>
+            <a:off x="7643157" y="3539957"/>
             <a:ext cx="4721781" cy="1066205"/>
           </a:xfrm>
           <a:prstGeom prst="rect">
@@ -3002,7 +3265,7 @@
               <a:buNone/>
             </a:pPr>
             <a:r>
-              <a:rPr lang="en-US" sz="1750" dirty="0">
+              <a:rPr lang="en-US" sz="2400" dirty="0">
                 <a:solidFill>
                   <a:srgbClr val="E0D6DE"/>
                 </a:solidFill>
@@ -3010,9 +3273,53 @@
                 <a:ea typeface="Noto Sans TC" pitchFamily="34" charset="-122"/>
                 <a:cs typeface="Noto Sans TC" pitchFamily="34" charset="-120"/>
               </a:rPr>
-              <a:t>Удобные инструменты, которые помогут преподавателям создавать и проводить интерактивные занятия.</a:t>
-            </a:r>
-            <a:endParaRPr lang="en-US" sz="1750" dirty="0"/>
+              <a:t>Удобные инструменты, которые помогут преподавателям создавать и </a:t>
+            </a:r>
+            <a:r>
+              <a:rPr lang="en-US" sz="2400" dirty="0" err="1">
+                <a:solidFill>
+                  <a:srgbClr val="E0D6DE"/>
+                </a:solidFill>
+                <a:latin typeface="Noto Sans TC" pitchFamily="34" charset="0"/>
+                <a:ea typeface="Noto Sans TC" pitchFamily="34" charset="-122"/>
+                <a:cs typeface="Noto Sans TC" pitchFamily="34" charset="-120"/>
+              </a:rPr>
+              <a:t>проводить</a:t>
+            </a:r>
+            <a:r>
+              <a:rPr lang="en-US" sz="2400" dirty="0">
+                <a:solidFill>
+                  <a:srgbClr val="E0D6DE"/>
+                </a:solidFill>
+                <a:latin typeface="Noto Sans TC" pitchFamily="34" charset="0"/>
+                <a:ea typeface="Noto Sans TC" pitchFamily="34" charset="-122"/>
+                <a:cs typeface="Noto Sans TC" pitchFamily="34" charset="-120"/>
+              </a:rPr>
+              <a:t> </a:t>
+            </a:r>
+            <a:r>
+              <a:rPr lang="en-US" sz="2400" dirty="0" err="1">
+                <a:solidFill>
+                  <a:srgbClr val="E0D6DE"/>
+                </a:solidFill>
+                <a:latin typeface="Noto Sans TC" pitchFamily="34" charset="0"/>
+                <a:ea typeface="Noto Sans TC" pitchFamily="34" charset="-122"/>
+                <a:cs typeface="Noto Sans TC" pitchFamily="34" charset="-120"/>
+              </a:rPr>
+              <a:t>занятия</a:t>
+            </a:r>
+            <a:r>
+              <a:rPr lang="en-US" sz="2400" dirty="0">
+                <a:solidFill>
+                  <a:srgbClr val="E0D6DE"/>
+                </a:solidFill>
+                <a:latin typeface="Noto Sans TC" pitchFamily="34" charset="0"/>
+                <a:ea typeface="Noto Sans TC" pitchFamily="34" charset="-122"/>
+                <a:cs typeface="Noto Sans TC" pitchFamily="34" charset="-120"/>
+              </a:rPr>
+              <a:t>.</a:t>
+            </a:r>
+            <a:endParaRPr lang="en-US" sz="2400" dirty="0"/>
           </a:p>
         </p:txBody>
       </p:sp>
@@ -3066,17 +3373,21 @@
               <a:buNone/>
             </a:pPr>
             <a:r>
-              <a:rPr lang="en-US" sz="2187" dirty="0">
-                <a:solidFill>
-                  <a:srgbClr val="B380FF"/>
+              <a:rPr lang="ru-RU" sz="3600" dirty="0">
+                <a:solidFill>
+                  <a:srgbClr val="966BD7"/>
                 </a:solidFill>
                 <a:latin typeface="Sora" pitchFamily="34" charset="0"/>
                 <a:ea typeface="Sora" pitchFamily="34" charset="-122"/>
                 <a:cs typeface="Sora" pitchFamily="34" charset="-120"/>
               </a:rPr>
-              <a:t>Обратная связь и аналитика</a:t>
-            </a:r>
-            <a:endParaRPr lang="en-US" sz="2187" dirty="0"/>
+              <a:t>Аналитика</a:t>
+            </a:r>
+            <a:endParaRPr lang="en-US" sz="3600" dirty="0">
+              <a:solidFill>
+                <a:srgbClr val="966BD7"/>
+              </a:solidFill>
+            </a:endParaRPr>
           </a:p>
         </p:txBody>
       </p:sp>
@@ -3108,7 +3419,7 @@
               <a:buNone/>
             </a:pPr>
             <a:r>
-              <a:rPr lang="en-US" sz="1750" dirty="0">
+              <a:rPr lang="en-US" sz="2400" dirty="0">
                 <a:solidFill>
                   <a:srgbClr val="E0D6DE"/>
                 </a:solidFill>
@@ -3116,9 +3427,53 @@
                 <a:ea typeface="Noto Sans TC" pitchFamily="34" charset="-122"/>
                 <a:cs typeface="Noto Sans TC" pitchFamily="34" charset="-120"/>
               </a:rPr>
-              <a:t>Инструменты для оценки прогресса студентов и анализа эффективности методик.</a:t>
-            </a:r>
-            <a:endParaRPr lang="en-US" sz="1750" dirty="0"/>
+              <a:t>Инструменты для оценки </a:t>
+            </a:r>
+            <a:r>
+              <a:rPr lang="en-US" sz="2400" dirty="0" err="1">
+                <a:solidFill>
+                  <a:srgbClr val="E0D6DE"/>
+                </a:solidFill>
+                <a:latin typeface="Noto Sans TC" pitchFamily="34" charset="0"/>
+                <a:ea typeface="Noto Sans TC" pitchFamily="34" charset="-122"/>
+                <a:cs typeface="Noto Sans TC" pitchFamily="34" charset="-120"/>
+              </a:rPr>
+              <a:t>прогресса</a:t>
+            </a:r>
+            <a:r>
+              <a:rPr lang="en-US" sz="2400" dirty="0">
+                <a:solidFill>
+                  <a:srgbClr val="E0D6DE"/>
+                </a:solidFill>
+                <a:latin typeface="Noto Sans TC" pitchFamily="34" charset="0"/>
+                <a:ea typeface="Noto Sans TC" pitchFamily="34" charset="-122"/>
+                <a:cs typeface="Noto Sans TC" pitchFamily="34" charset="-120"/>
+              </a:rPr>
+              <a:t> </a:t>
+            </a:r>
+            <a:r>
+              <a:rPr lang="ru-RU" sz="2400" dirty="0">
+                <a:solidFill>
+                  <a:srgbClr val="E0D6DE"/>
+                </a:solidFill>
+                <a:latin typeface="Noto Sans TC" pitchFamily="34" charset="0"/>
+                <a:ea typeface="Noto Sans TC" pitchFamily="34" charset="-122"/>
+                <a:cs typeface="Noto Sans TC" pitchFamily="34" charset="-120"/>
+              </a:rPr>
+              <a:t>учеников</a:t>
+            </a:r>
+            <a:r>
+              <a:rPr lang="en-US" sz="2400" dirty="0">
+                <a:solidFill>
+                  <a:srgbClr val="E0D6DE"/>
+                </a:solidFill>
+                <a:latin typeface="Noto Sans TC" pitchFamily="34" charset="0"/>
+                <a:ea typeface="Noto Sans TC" pitchFamily="34" charset="-122"/>
+                <a:cs typeface="Noto Sans TC" pitchFamily="34" charset="-120"/>
+              </a:rPr>
+              <a:t> и анализа эффективности методик.</a:t>
+            </a:r>
+            <a:endParaRPr lang="en-US" sz="2400" dirty="0"/>
           </a:p>
         </p:txBody>
       </p:sp>
@@ -3172,9 +3527,9 @@
               <a:buNone/>
             </a:pPr>
             <a:r>
-              <a:rPr lang="en-US" sz="2187" dirty="0">
-                <a:solidFill>
-                  <a:srgbClr val="B380FF"/>
+              <a:rPr lang="en-US" sz="3600" dirty="0">
+                <a:solidFill>
+                  <a:srgbClr val="966BD7"/>
                 </a:solidFill>
                 <a:latin typeface="Sora" pitchFamily="34" charset="0"/>
                 <a:ea typeface="Sora" pitchFamily="34" charset="-122"/>
@@ -3182,7 +3537,11 @@
               </a:rPr>
               <a:t>Сообщество и ресурсы</a:t>
             </a:r>
-            <a:endParaRPr lang="en-US" sz="2187" dirty="0"/>
+            <a:endParaRPr lang="en-US" sz="3600" dirty="0">
+              <a:solidFill>
+                <a:srgbClr val="966BD7"/>
+              </a:solidFill>
+            </a:endParaRPr>
           </a:p>
         </p:txBody>
       </p:sp>
@@ -3214,7 +3573,7 @@
               <a:buNone/>
             </a:pPr>
             <a:r>
-              <a:rPr lang="en-US" sz="1750" dirty="0">
+              <a:rPr lang="en-US" sz="2400" dirty="0">
                 <a:solidFill>
                   <a:srgbClr val="E0D6DE"/>
                 </a:solidFill>
@@ -3224,7 +3583,7 @@
               </a:rPr>
               <a:t>Доступ к сообществу единомышленников и обширной базе полезных материалов.</a:t>
             </a:r>
-            <a:endParaRPr lang="en-US" sz="1750" dirty="0"/>
+            <a:endParaRPr lang="en-US" sz="2400" dirty="0"/>
           </a:p>
         </p:txBody>
       </p:sp>
@@ -3253,29 +3612,15 @@
           <a:chExt cx="0" cy="0"/>
         </a:xfrm>
       </p:grpSpPr>
-      <p:sp>
-        <p:nvSpPr>
-          <p:cNvPr id="3" name="Shape 0"/>
-          <p:cNvSpPr/>
-          <p:nvPr/>
-        </p:nvSpPr>
-        <p:spPr>
-          <a:xfrm>
-            <a:off x="0" y="0"/>
-            <a:ext cx="14630400" cy="8229600"/>
-          </a:xfrm>
-          <a:prstGeom prst="rect">
-            <a:avLst/>
-          </a:prstGeom>
-          <a:solidFill>
-            <a:srgbClr val="07070C"/>
-          </a:solidFill>
-          <a:ln/>
-        </p:spPr>
-      </p:sp>
       <p:pic>
         <p:nvPicPr>
-          <p:cNvPr id="2" name="Image 0" descr="preencoded.png"/>
+          <p:cNvPr id="13" name="Рисунок 12">
+            <a:extLst>
+              <a:ext uri="{FF2B5EF4-FFF2-40B4-BE49-F238E27FC236}">
+                <a16:creationId xmlns:a16="http://schemas.microsoft.com/office/drawing/2014/main" id="{7E128B87-483B-47E2-B832-A759B2648BDA}"/>
+              </a:ext>
+            </a:extLst>
+          </p:cNvPr>
           <p:cNvPicPr>
             <a:picLocks noChangeAspect="1"/>
           </p:cNvPicPr>
@@ -3289,7 +3634,7 @@
         </p:blipFill>
         <p:spPr>
           <a:xfrm>
-            <a:off x="0" y="0"/>
+            <a:off x="6905" y="0"/>
             <a:ext cx="14630400" cy="8229600"/>
           </a:xfrm>
           <a:prstGeom prst="rect">
@@ -3538,7 +3883,7 @@
 
 <file path=ppt/slides/slide7.xml><?xml version="1.0" encoding="utf-8"?>
 <p:sld xmlns:a="http://schemas.openxmlformats.org/drawingml/2006/main" xmlns:r="http://schemas.openxmlformats.org/officeDocument/2006/relationships" xmlns:p="http://schemas.openxmlformats.org/presentationml/2006/main">
-  <p:cSld name="Slide 5">
+  <p:cSld>
     <p:spTree>
       <p:nvGrpSpPr>
         <p:cNvPr id="1" name=""/>
@@ -3553,29 +3898,45 @@
           <a:chExt cx="0" cy="0"/>
         </a:xfrm>
       </p:grpSpPr>
-      <p:sp>
-        <p:nvSpPr>
-          <p:cNvPr id="3" name="Shape 0"/>
-          <p:cNvSpPr/>
-          <p:nvPr/>
-        </p:nvSpPr>
-        <p:spPr>
-          <a:xfrm>
-            <a:off x="-13811" y="14168"/>
-            <a:ext cx="14630400" cy="8229600"/>
-          </a:xfrm>
-          <a:prstGeom prst="rect">
-            <a:avLst/>
-          </a:prstGeom>
-          <a:solidFill>
-            <a:srgbClr val="07070C"/>
-          </a:solidFill>
-          <a:ln/>
-        </p:spPr>
-      </p:sp>
       <p:pic>
         <p:nvPicPr>
-          <p:cNvPr id="2" name="Image 0" descr="preencoded.png"/>
+          <p:cNvPr id="12" name="Рисунок 11">
+            <a:extLst>
+              <a:ext uri="{FF2B5EF4-FFF2-40B4-BE49-F238E27FC236}">
+                <a16:creationId xmlns:a16="http://schemas.microsoft.com/office/drawing/2014/main" id="{3AD16E5E-C9BE-478B-883B-D97D6640E3D4}"/>
+              </a:ext>
+            </a:extLst>
+          </p:cNvPr>
+          <p:cNvPicPr>
+            <a:picLocks noChangeAspect="1"/>
+          </p:cNvPicPr>
+          <p:nvPr/>
+        </p:nvPicPr>
+        <p:blipFill>
+          <a:blip r:embed="rId2"/>
+          <a:stretch>
+            <a:fillRect/>
+          </a:stretch>
+        </p:blipFill>
+        <p:spPr>
+          <a:xfrm>
+            <a:off x="6905" y="0"/>
+            <a:ext cx="14630400" cy="8229600"/>
+          </a:xfrm>
+          <a:prstGeom prst="rect">
+            <a:avLst/>
+          </a:prstGeom>
+        </p:spPr>
+      </p:pic>
+      <p:pic>
+        <p:nvPicPr>
+          <p:cNvPr id="5" name="Рисунок 4">
+            <a:extLst>
+              <a:ext uri="{FF2B5EF4-FFF2-40B4-BE49-F238E27FC236}">
+                <a16:creationId xmlns:a16="http://schemas.microsoft.com/office/drawing/2014/main" id="{BDA6D67A-39F3-4526-BCCD-8C14A765EB0F}"/>
+              </a:ext>
+            </a:extLst>
+          </p:cNvPr>
           <p:cNvPicPr>
             <a:picLocks noChangeAspect="1"/>
           </p:cNvPicPr>
@@ -3589,24 +3950,36 @@
         </p:blipFill>
         <p:spPr>
           <a:xfrm>
-            <a:off x="-70545" y="14168"/>
-            <a:ext cx="14630400" cy="8229600"/>
-          </a:xfrm>
-          <a:prstGeom prst="rect">
-            <a:avLst/>
-          </a:prstGeom>
+            <a:off x="634925" y="1861455"/>
+            <a:ext cx="2301587" cy="2139045"/>
+          </a:xfrm>
+          <a:prstGeom prst="rect">
+            <a:avLst/>
+          </a:prstGeom>
+          <a:ln>
+            <a:noFill/>
+          </a:ln>
+          <a:effectLst>
+            <a:softEdge rad="112500"/>
+          </a:effectLst>
         </p:spPr>
       </p:pic>
       <p:sp>
         <p:nvSpPr>
-          <p:cNvPr id="4" name="Text 1"/>
-          <p:cNvSpPr/>
-          <p:nvPr/>
-        </p:nvSpPr>
-        <p:spPr>
-          <a:xfrm>
-            <a:off x="2037993" y="1176814"/>
-            <a:ext cx="5554980" cy="694373"/>
+          <p:cNvPr id="6" name="Text 1">
+            <a:extLst>
+              <a:ext uri="{FF2B5EF4-FFF2-40B4-BE49-F238E27FC236}">
+                <a16:creationId xmlns:a16="http://schemas.microsoft.com/office/drawing/2014/main" id="{98D9FD58-16D6-4BC0-AD70-D6BDD74E6AE1}"/>
+              </a:ext>
+            </a:extLst>
+          </p:cNvPr>
+          <p:cNvSpPr/>
+          <p:nvPr/>
+        </p:nvSpPr>
+        <p:spPr>
+          <a:xfrm>
+            <a:off x="3228474" y="2261504"/>
+            <a:ext cx="5554980" cy="1338946"/>
           </a:xfrm>
           <a:prstGeom prst="rect">
             <a:avLst/>
@@ -3627,15 +4000,371 @@
             <a:r>
               <a:rPr lang="ru-RU" sz="4374" dirty="0">
                 <a:solidFill>
-                  <a:srgbClr val="B380FF"/>
+                  <a:srgbClr val="966BD7"/>
+                </a:solidFill>
+                <a:ea typeface="Sora" pitchFamily="34" charset="-122"/>
+              </a:rPr>
+              <a:t>Шаблон оформления </a:t>
+            </a:r>
+          </a:p>
+          <a:p>
+            <a:pPr marL="0" indent="0">
+              <a:lnSpc>
+                <a:spcPts val="5468"/>
+              </a:lnSpc>
+              <a:buNone/>
+            </a:pPr>
+            <a:r>
+              <a:rPr lang="ru-RU" sz="4374" dirty="0">
+                <a:solidFill>
+                  <a:srgbClr val="966BD7"/>
+                </a:solidFill>
+                <a:ea typeface="Sora" pitchFamily="34" charset="-122"/>
+              </a:rPr>
+              <a:t>сайта</a:t>
+            </a:r>
+            <a:endParaRPr lang="en-US" sz="4374" dirty="0">
+              <a:solidFill>
+                <a:srgbClr val="966BD7"/>
+              </a:solidFill>
+            </a:endParaRPr>
+          </a:p>
+        </p:txBody>
+      </p:sp>
+      <p:pic>
+        <p:nvPicPr>
+          <p:cNvPr id="4" name="Рисунок 3">
+            <a:extLst>
+              <a:ext uri="{FF2B5EF4-FFF2-40B4-BE49-F238E27FC236}">
+                <a16:creationId xmlns:a16="http://schemas.microsoft.com/office/drawing/2014/main" id="{C7935654-14B6-4856-AF26-9E7D4C1619A1}"/>
+              </a:ext>
+            </a:extLst>
+          </p:cNvPr>
+          <p:cNvPicPr>
+            <a:picLocks noChangeAspect="1"/>
+          </p:cNvPicPr>
+          <p:nvPr/>
+        </p:nvPicPr>
+        <p:blipFill>
+          <a:blip r:embed="rId4"/>
+          <a:stretch>
+            <a:fillRect/>
+          </a:stretch>
+        </p:blipFill>
+        <p:spPr>
+          <a:xfrm>
+            <a:off x="634923" y="4494443"/>
+            <a:ext cx="2301587" cy="757238"/>
+          </a:xfrm>
+          <a:prstGeom prst="rect">
+            <a:avLst/>
+          </a:prstGeom>
+        </p:spPr>
+      </p:pic>
+      <p:sp>
+        <p:nvSpPr>
+          <p:cNvPr id="7" name="Text 1">
+            <a:extLst>
+              <a:ext uri="{FF2B5EF4-FFF2-40B4-BE49-F238E27FC236}">
+                <a16:creationId xmlns:a16="http://schemas.microsoft.com/office/drawing/2014/main" id="{877A2D4D-1917-4338-9BFC-7D96BA4A942B}"/>
+              </a:ext>
+            </a:extLst>
+          </p:cNvPr>
+          <p:cNvSpPr/>
+          <p:nvPr/>
+        </p:nvSpPr>
+        <p:spPr>
+          <a:xfrm>
+            <a:off x="3228476" y="4494443"/>
+            <a:ext cx="5554980" cy="1338946"/>
+          </a:xfrm>
+          <a:prstGeom prst="rect">
+            <a:avLst/>
+          </a:prstGeom>
+          <a:noFill/>
+          <a:ln/>
+        </p:spPr>
+        <p:txBody>
+          <a:bodyPr wrap="none" rtlCol="0" anchor="t"/>
+          <a:lstStyle/>
+          <a:p>
+            <a:pPr marL="0" indent="0">
+              <a:lnSpc>
+                <a:spcPts val="5468"/>
+              </a:lnSpc>
+              <a:buNone/>
+            </a:pPr>
+            <a:r>
+              <a:rPr lang="ru-RU" sz="4374" dirty="0">
+                <a:solidFill>
+                  <a:srgbClr val="966BD7"/>
+                </a:solidFill>
+                <a:ea typeface="Sora" pitchFamily="34" charset="-122"/>
+              </a:rPr>
+              <a:t>Основной шрифт</a:t>
+            </a:r>
+            <a:endParaRPr lang="en-US" sz="4374" dirty="0">
+              <a:solidFill>
+                <a:srgbClr val="966BD7"/>
+              </a:solidFill>
+            </a:endParaRPr>
+          </a:p>
+        </p:txBody>
+      </p:sp>
+      <p:pic>
+        <p:nvPicPr>
+          <p:cNvPr id="9" name="Рисунок 8">
+            <a:extLst>
+              <a:ext uri="{FF2B5EF4-FFF2-40B4-BE49-F238E27FC236}">
+                <a16:creationId xmlns:a16="http://schemas.microsoft.com/office/drawing/2014/main" id="{63532599-D82A-4344-8CA7-098FDF7778BD}"/>
+              </a:ext>
+            </a:extLst>
+          </p:cNvPr>
+          <p:cNvPicPr>
+            <a:picLocks noChangeAspect="1"/>
+          </p:cNvPicPr>
+          <p:nvPr/>
+        </p:nvPicPr>
+        <p:blipFill>
+          <a:blip r:embed="rId5"/>
+          <a:stretch>
+            <a:fillRect/>
+          </a:stretch>
+        </p:blipFill>
+        <p:spPr>
+          <a:xfrm>
+            <a:off x="634922" y="6197715"/>
+            <a:ext cx="2301587" cy="1085850"/>
+          </a:xfrm>
+          <a:prstGeom prst="rect">
+            <a:avLst/>
+          </a:prstGeom>
+        </p:spPr>
+      </p:pic>
+      <p:sp>
+        <p:nvSpPr>
+          <p:cNvPr id="10" name="Text 1">
+            <a:extLst>
+              <a:ext uri="{FF2B5EF4-FFF2-40B4-BE49-F238E27FC236}">
+                <a16:creationId xmlns:a16="http://schemas.microsoft.com/office/drawing/2014/main" id="{6495FBA1-112B-4004-AF5D-425CFE249010}"/>
+              </a:ext>
+            </a:extLst>
+          </p:cNvPr>
+          <p:cNvSpPr/>
+          <p:nvPr/>
+        </p:nvSpPr>
+        <p:spPr>
+          <a:xfrm>
+            <a:off x="3228474" y="5944619"/>
+            <a:ext cx="5554980" cy="1338946"/>
+          </a:xfrm>
+          <a:prstGeom prst="rect">
+            <a:avLst/>
+          </a:prstGeom>
+          <a:noFill/>
+          <a:ln/>
+        </p:spPr>
+        <p:txBody>
+          <a:bodyPr wrap="none" rtlCol="0" anchor="t"/>
+          <a:lstStyle/>
+          <a:p>
+            <a:pPr marL="0" indent="0">
+              <a:lnSpc>
+                <a:spcPts val="5468"/>
+              </a:lnSpc>
+              <a:buNone/>
+            </a:pPr>
+            <a:r>
+              <a:rPr lang="ru-RU" sz="4374" dirty="0">
+                <a:solidFill>
+                  <a:srgbClr val="966BD7"/>
+                </a:solidFill>
+                <a:ea typeface="Sora" pitchFamily="34" charset="-122"/>
+              </a:rPr>
+              <a:t>Основная палитра </a:t>
+            </a:r>
+          </a:p>
+          <a:p>
+            <a:pPr marL="0" indent="0">
+              <a:lnSpc>
+                <a:spcPts val="5468"/>
+              </a:lnSpc>
+              <a:buNone/>
+            </a:pPr>
+            <a:r>
+              <a:rPr lang="ru-RU" sz="4374" dirty="0">
+                <a:solidFill>
+                  <a:srgbClr val="966BD7"/>
+                </a:solidFill>
+                <a:ea typeface="Sora" pitchFamily="34" charset="-122"/>
+              </a:rPr>
+              <a:t>цветов</a:t>
+            </a:r>
+          </a:p>
+        </p:txBody>
+      </p:sp>
+      <p:sp>
+        <p:nvSpPr>
+          <p:cNvPr id="11" name="Text 1">
+            <a:extLst>
+              <a:ext uri="{FF2B5EF4-FFF2-40B4-BE49-F238E27FC236}">
+                <a16:creationId xmlns:a16="http://schemas.microsoft.com/office/drawing/2014/main" id="{9DE28345-F1BD-4AD4-8B73-F43255E117D7}"/>
+              </a:ext>
+            </a:extLst>
+          </p:cNvPr>
+          <p:cNvSpPr/>
+          <p:nvPr/>
+        </p:nvSpPr>
+        <p:spPr>
+          <a:xfrm>
+            <a:off x="4537710" y="522509"/>
+            <a:ext cx="5554980" cy="1338946"/>
+          </a:xfrm>
+          <a:prstGeom prst="rect">
+            <a:avLst/>
+          </a:prstGeom>
+          <a:noFill/>
+          <a:ln/>
+        </p:spPr>
+        <p:txBody>
+          <a:bodyPr wrap="none" rtlCol="0" anchor="t"/>
+          <a:lstStyle/>
+          <a:p>
+            <a:pPr marL="0" indent="0" algn="ctr">
+              <a:lnSpc>
+                <a:spcPts val="5468"/>
+              </a:lnSpc>
+              <a:buNone/>
+            </a:pPr>
+            <a:r>
+              <a:rPr lang="ru-RU" sz="6000" dirty="0" err="1">
+                <a:solidFill>
+                  <a:srgbClr val="966BD7"/>
+                </a:solidFill>
+                <a:ea typeface="Sora" pitchFamily="34" charset="-122"/>
+              </a:rPr>
+              <a:t>Дашборд</a:t>
+            </a:r>
+            <a:r>
+              <a:rPr lang="ru-RU" sz="6000" dirty="0">
+                <a:solidFill>
+                  <a:srgbClr val="966BD7"/>
+                </a:solidFill>
+                <a:ea typeface="Sora" pitchFamily="34" charset="-122"/>
+              </a:rPr>
+              <a:t> сайта</a:t>
+            </a:r>
+            <a:endParaRPr lang="en-US" sz="6000" dirty="0">
+              <a:solidFill>
+                <a:srgbClr val="966BD7"/>
+              </a:solidFill>
+            </a:endParaRPr>
+          </a:p>
+        </p:txBody>
+      </p:sp>
+    </p:spTree>
+    <p:extLst>
+      <p:ext uri="{BB962C8B-B14F-4D97-AF65-F5344CB8AC3E}">
+        <p14:creationId xmlns:p14="http://schemas.microsoft.com/office/powerpoint/2010/main" val="76473621"/>
+      </p:ext>
+    </p:extLst>
+  </p:cSld>
+  <p:clrMapOvr>
+    <a:masterClrMapping/>
+  </p:clrMapOvr>
+</p:sld>
+</file>
+
+<file path=ppt/slides/slide8.xml><?xml version="1.0" encoding="utf-8"?>
+<p:sld xmlns:a="http://schemas.openxmlformats.org/drawingml/2006/main" xmlns:r="http://schemas.openxmlformats.org/officeDocument/2006/relationships" xmlns:p="http://schemas.openxmlformats.org/presentationml/2006/main">
+  <p:cSld>
+    <p:spTree>
+      <p:nvGrpSpPr>
+        <p:cNvPr id="1" name=""/>
+        <p:cNvGrpSpPr/>
+        <p:nvPr/>
+      </p:nvGrpSpPr>
+      <p:grpSpPr>
+        <a:xfrm>
+          <a:off x="0" y="0"/>
+          <a:ext cx="0" cy="0"/>
+          <a:chOff x="0" y="0"/>
+          <a:chExt cx="0" cy="0"/>
+        </a:xfrm>
+      </p:grpSpPr>
+      <p:pic>
+        <p:nvPicPr>
+          <p:cNvPr id="21" name="Рисунок 20">
+            <a:extLst>
+              <a:ext uri="{FF2B5EF4-FFF2-40B4-BE49-F238E27FC236}">
+                <a16:creationId xmlns:a16="http://schemas.microsoft.com/office/drawing/2014/main" id="{A1992DB8-052E-47C9-9CCD-448D52EC43C5}"/>
+              </a:ext>
+            </a:extLst>
+          </p:cNvPr>
+          <p:cNvPicPr>
+            <a:picLocks noChangeAspect="1"/>
+          </p:cNvPicPr>
+          <p:nvPr/>
+        </p:nvPicPr>
+        <p:blipFill>
+          <a:blip r:embed="rId3"/>
+          <a:stretch>
+            <a:fillRect/>
+          </a:stretch>
+        </p:blipFill>
+        <p:spPr>
+          <a:xfrm>
+            <a:off x="6905" y="0"/>
+            <a:ext cx="14630400" cy="8229600"/>
+          </a:xfrm>
+          <a:prstGeom prst="rect">
+            <a:avLst/>
+          </a:prstGeom>
+        </p:spPr>
+      </p:pic>
+      <p:sp>
+        <p:nvSpPr>
+          <p:cNvPr id="4" name="Text 1"/>
+          <p:cNvSpPr/>
+          <p:nvPr/>
+        </p:nvSpPr>
+        <p:spPr>
+          <a:xfrm>
+            <a:off x="2037993" y="1176814"/>
+            <a:ext cx="5554980" cy="694373"/>
+          </a:xfrm>
+          <a:prstGeom prst="rect">
+            <a:avLst/>
+          </a:prstGeom>
+          <a:noFill/>
+          <a:ln/>
+        </p:spPr>
+        <p:txBody>
+          <a:bodyPr wrap="none" rtlCol="0" anchor="t"/>
+          <a:lstStyle/>
+          <a:p>
+            <a:pPr marL="0" indent="0">
+              <a:lnSpc>
+                <a:spcPts val="5468"/>
+              </a:lnSpc>
+              <a:buNone/>
+            </a:pPr>
+            <a:r>
+              <a:rPr lang="ru-RU" sz="6000" dirty="0">
+                <a:solidFill>
+                  <a:srgbClr val="966BD7"/>
                 </a:solidFill>
                 <a:latin typeface="Sora" pitchFamily="34" charset="0"/>
                 <a:ea typeface="Sora" pitchFamily="34" charset="-122"/>
                 <a:cs typeface="Sora" pitchFamily="34" charset="-120"/>
               </a:rPr>
-              <a:t>Перспективы проекта</a:t>
-            </a:r>
-            <a:endParaRPr lang="en-US" sz="4374" dirty="0"/>
+              <a:t>Ближайшие перспективы</a:t>
+            </a:r>
+            <a:endParaRPr lang="en-US" sz="6000" dirty="0">
+              <a:solidFill>
+                <a:srgbClr val="966BD7"/>
+              </a:solidFill>
+            </a:endParaRPr>
           </a:p>
         </p:txBody>
       </p:sp>
@@ -3773,15 +4502,38 @@
             <a:r>
               <a:rPr lang="ru-RU" sz="3600" dirty="0">
                 <a:solidFill>
-                  <a:srgbClr val="B380FF"/>
+                  <a:srgbClr val="966BD7"/>
                 </a:solidFill>
                 <a:latin typeface="Sora" pitchFamily="34" charset="0"/>
                 <a:ea typeface="Sora" pitchFamily="34" charset="-122"/>
                 <a:cs typeface="Sora" pitchFamily="34" charset="-120"/>
               </a:rPr>
-              <a:t>Разработка вкладок</a:t>
-            </a:r>
-            <a:endParaRPr lang="en-US" sz="3600" dirty="0"/>
+              <a:t>Создание и </a:t>
+            </a:r>
+          </a:p>
+          <a:p>
+            <a:pPr marL="0" indent="0" algn="r">
+              <a:lnSpc>
+                <a:spcPts val="2734"/>
+              </a:lnSpc>
+              <a:buNone/>
+            </a:pPr>
+            <a:r>
+              <a:rPr lang="ru-RU" sz="3600" dirty="0">
+                <a:solidFill>
+                  <a:srgbClr val="966BD7"/>
+                </a:solidFill>
+                <a:latin typeface="Sora" pitchFamily="34" charset="0"/>
+                <a:ea typeface="Sora" pitchFamily="34" charset="-122"/>
+                <a:cs typeface="Sora" pitchFamily="34" charset="-120"/>
+              </a:rPr>
+              <a:t>доработка вкладок</a:t>
+            </a:r>
+            <a:endParaRPr lang="en-US" sz="3600" dirty="0">
+              <a:solidFill>
+                <a:srgbClr val="966BD7"/>
+              </a:solidFill>
+            </a:endParaRPr>
           </a:p>
         </p:txBody>
       </p:sp>
@@ -3793,7 +4545,7 @@
         </p:nvSpPr>
         <p:spPr>
           <a:xfrm>
-            <a:off x="2037993" y="3018115"/>
+            <a:off x="2034066" y="3281303"/>
             <a:ext cx="4055150" cy="1421606"/>
           </a:xfrm>
           <a:prstGeom prst="rect">
@@ -3813,14 +4565,27 @@
               <a:buNone/>
             </a:pPr>
             <a:r>
-              <a:rPr lang="ru-RU" sz="1750" dirty="0">
-                <a:solidFill>
-                  <a:srgbClr val="E0D6DE"/>
-                </a:solidFill>
+              <a:rPr lang="ru-RU" sz="2400" dirty="0">
+                <a:solidFill>
+                  <a:schemeClr val="tx1">
+                    <a:lumMod val="85000"/>
+                    <a:lumOff val="15000"/>
+                  </a:schemeClr>
+                </a:solidFill>
+                <a:latin typeface="Noto Sans TC" pitchFamily="34" charset="0"/>
                 <a:ea typeface="Noto Sans TC" pitchFamily="34" charset="-122"/>
-              </a:rPr>
-              <a:t>Разработка четырех новых вкладок, таких как: «Библиотека», «Конкурсы, «Ученикам», «Родителям».</a:t>
-            </a:r>
+                <a:cs typeface="Noto Sans TC" pitchFamily="34" charset="-120"/>
+              </a:rPr>
+              <a:t>Создание более 4ех новых вкладок, а Так же доработка уже существующих вкладок.</a:t>
+            </a:r>
+            <a:endParaRPr lang="en-US" sz="2400" dirty="0">
+              <a:solidFill>
+                <a:schemeClr val="tx1">
+                  <a:lumMod val="85000"/>
+                  <a:lumOff val="15000"/>
+                </a:schemeClr>
+              </a:solidFill>
+            </a:endParaRPr>
           </a:p>
         </p:txBody>
       </p:sp>
@@ -3938,13 +4703,19 @@
             <a:r>
               <a:rPr lang="ru-RU" sz="3600" dirty="0">
                 <a:solidFill>
-                  <a:srgbClr val="B380FF"/>
-                </a:solidFill>
+                  <a:srgbClr val="966BD7"/>
+                </a:solidFill>
+                <a:latin typeface="Sora" pitchFamily="34" charset="0"/>
                 <a:ea typeface="Sora" pitchFamily="34" charset="-122"/>
-              </a:rPr>
-              <a:t>Идентификация</a:t>
-            </a:r>
-            <a:endParaRPr lang="en-US" sz="3600" dirty="0"/>
+                <a:cs typeface="Sora" pitchFamily="34" charset="-120"/>
+              </a:rPr>
+              <a:t>Создание личного кабинета</a:t>
+            </a:r>
+            <a:endParaRPr lang="en-US" sz="3600" dirty="0">
+              <a:solidFill>
+                <a:srgbClr val="966BD7"/>
+              </a:solidFill>
+            </a:endParaRPr>
           </a:p>
         </p:txBody>
       </p:sp>
@@ -3956,8 +4727,8 @@
         </p:nvSpPr>
         <p:spPr>
           <a:xfrm>
-            <a:off x="8537258" y="4128968"/>
-            <a:ext cx="4055150" cy="1421606"/>
+            <a:off x="8537257" y="4128968"/>
+            <a:ext cx="4182699" cy="1421606"/>
           </a:xfrm>
           <a:prstGeom prst="rect">
             <a:avLst/>
@@ -3976,17 +4747,27 @@
               <a:buNone/>
             </a:pPr>
             <a:r>
-              <a:rPr lang="ru-RU" sz="1750" dirty="0">
-                <a:solidFill>
-                  <a:srgbClr val="E0D6DE"/>
+              <a:rPr lang="ru-RU" sz="2400" dirty="0">
+                <a:solidFill>
+                  <a:schemeClr val="tx1">
+                    <a:lumMod val="85000"/>
+                    <a:lumOff val="15000"/>
+                  </a:schemeClr>
                 </a:solidFill>
                 <a:latin typeface="Noto Sans TC" pitchFamily="34" charset="0"/>
                 <a:ea typeface="Noto Sans TC" pitchFamily="34" charset="-122"/>
                 <a:cs typeface="Noto Sans TC" pitchFamily="34" charset="-120"/>
               </a:rPr>
-              <a:t>Возможность пользователем создавать новые статьи, комментировать, лайкать.</a:t>
-            </a:r>
-            <a:endParaRPr lang="en-US" sz="1750" dirty="0"/>
+              <a:t>Создание личного кабинета пользователя, для полного взаимодействия с сайтом и его пользователями.</a:t>
+            </a:r>
+            <a:endParaRPr lang="en-US" sz="2400" dirty="0">
+              <a:solidFill>
+                <a:schemeClr val="tx1">
+                  <a:lumMod val="85000"/>
+                  <a:lumOff val="15000"/>
+                </a:schemeClr>
+              </a:solidFill>
+            </a:endParaRPr>
           </a:p>
         </p:txBody>
       </p:sp>
@@ -4082,7 +4863,7 @@
         </p:nvSpPr>
         <p:spPr>
           <a:xfrm>
-            <a:off x="3315653" y="5106233"/>
+            <a:off x="3315653" y="5099328"/>
             <a:ext cx="2777490" cy="347186"/>
           </a:xfrm>
           <a:prstGeom prst="rect">
@@ -4104,15 +4885,19 @@
             <a:r>
               <a:rPr lang="ru-RU" sz="3600" dirty="0">
                 <a:solidFill>
-                  <a:srgbClr val="B380FF"/>
+                  <a:srgbClr val="966BD7"/>
                 </a:solidFill>
                 <a:latin typeface="Sora" pitchFamily="34" charset="0"/>
                 <a:ea typeface="Sora" pitchFamily="34" charset="-122"/>
                 <a:cs typeface="Sora" pitchFamily="34" charset="-120"/>
               </a:rPr>
-              <a:t>Внешний вид	</a:t>
-            </a:r>
-            <a:endParaRPr lang="en-US" sz="3600" dirty="0"/>
+              <a:t>Создание нового дизайна</a:t>
+            </a:r>
+            <a:endParaRPr lang="en-US" sz="3600" dirty="0">
+              <a:solidFill>
+                <a:srgbClr val="966BD7"/>
+              </a:solidFill>
+            </a:endParaRPr>
           </a:p>
         </p:txBody>
       </p:sp>
@@ -4144,17 +4929,27 @@
               <a:buNone/>
             </a:pPr>
             <a:r>
-              <a:rPr lang="ru-RU" sz="1750" dirty="0">
-                <a:solidFill>
-                  <a:srgbClr val="E0D6DE"/>
+              <a:rPr lang="ru-RU" sz="2400" dirty="0">
+                <a:solidFill>
+                  <a:schemeClr val="tx1">
+                    <a:lumMod val="85000"/>
+                    <a:lumOff val="15000"/>
+                  </a:schemeClr>
                 </a:solidFill>
                 <a:latin typeface="Noto Sans TC" pitchFamily="34" charset="0"/>
                 <a:ea typeface="Noto Sans TC" pitchFamily="34" charset="-122"/>
                 <a:cs typeface="Noto Sans TC" pitchFamily="34" charset="-120"/>
               </a:rPr>
-              <a:t>Изменение во внешнем виде</a:t>
-            </a:r>
-            <a:endParaRPr lang="en-US" sz="1750" dirty="0"/>
+              <a:t>Создание нового дизайна, для более удобной работы с веб-сайтом.</a:t>
+            </a:r>
+            <a:endParaRPr lang="en-US" sz="2400" dirty="0">
+              <a:solidFill>
+                <a:schemeClr val="tx1">
+                  <a:lumMod val="85000"/>
+                  <a:lumOff val="15000"/>
+                </a:schemeClr>
+              </a:solidFill>
+            </a:endParaRPr>
           </a:p>
         </p:txBody>
       </p:sp>
